--- a/Отчеты/Презентация_ЛР0_6303_Ашугян.pptx
+++ b/Отчеты/Презентация_ЛР0_6303_Ашугян.pptx
@@ -345,7 +345,7 @@
           <a:p>
             <a:fld id="{A5E97520-D563-4008-B2B3-C645B5B2BA90}" type="datetimeFigureOut">
               <a:rPr lang="en-US" smtClean="0"/>
-              <a:t>2/22/2025</a:t>
+              <a:t>4/4/2025</a:t>
             </a:fld>
             <a:endParaRPr lang="en-US"/>
           </a:p>
@@ -553,7 +553,7 @@
           <a:p>
             <a:fld id="{A5E97520-D563-4008-B2B3-C645B5B2BA90}" type="datetimeFigureOut">
               <a:rPr lang="en-US" smtClean="0"/>
-              <a:t>2/22/2025</a:t>
+              <a:t>4/4/2025</a:t>
             </a:fld>
             <a:endParaRPr lang="en-US"/>
           </a:p>
@@ -809,7 +809,7 @@
           <a:p>
             <a:fld id="{A5E97520-D563-4008-B2B3-C645B5B2BA90}" type="datetimeFigureOut">
               <a:rPr lang="en-US" smtClean="0"/>
-              <a:t>2/22/2025</a:t>
+              <a:t>4/4/2025</a:t>
             </a:fld>
             <a:endParaRPr lang="en-US"/>
           </a:p>
@@ -983,7 +983,7 @@
           <a:p>
             <a:fld id="{A5E97520-D563-4008-B2B3-C645B5B2BA90}" type="datetimeFigureOut">
               <a:rPr lang="en-US" smtClean="0"/>
-              <a:t>2/22/2025</a:t>
+              <a:t>4/4/2025</a:t>
             </a:fld>
             <a:endParaRPr lang="en-US"/>
           </a:p>
@@ -1326,7 +1326,7 @@
           <a:p>
             <a:fld id="{A5E97520-D563-4008-B2B3-C645B5B2BA90}" type="datetimeFigureOut">
               <a:rPr lang="en-US" smtClean="0"/>
-              <a:t>2/22/2025</a:t>
+              <a:t>4/4/2025</a:t>
             </a:fld>
             <a:endParaRPr lang="en-US"/>
           </a:p>
@@ -1601,7 +1601,7 @@
           <a:p>
             <a:fld id="{A5E97520-D563-4008-B2B3-C645B5B2BA90}" type="datetimeFigureOut">
               <a:rPr lang="en-US" smtClean="0"/>
-              <a:t>2/22/2025</a:t>
+              <a:t>4/4/2025</a:t>
             </a:fld>
             <a:endParaRPr lang="en-US"/>
           </a:p>
@@ -1980,7 +1980,7 @@
           <a:p>
             <a:fld id="{A5E97520-D563-4008-B2B3-C645B5B2BA90}" type="datetimeFigureOut">
               <a:rPr lang="en-US" smtClean="0"/>
-              <a:t>2/22/2025</a:t>
+              <a:t>4/4/2025</a:t>
             </a:fld>
             <a:endParaRPr lang="en-US"/>
           </a:p>
@@ -2098,7 +2098,7 @@
           <a:p>
             <a:fld id="{A5E97520-D563-4008-B2B3-C645B5B2BA90}" type="datetimeFigureOut">
               <a:rPr lang="en-US" smtClean="0"/>
-              <a:t>2/22/2025</a:t>
+              <a:t>4/4/2025</a:t>
             </a:fld>
             <a:endParaRPr lang="en-US"/>
           </a:p>
@@ -2269,7 +2269,7 @@
           <a:p>
             <a:fld id="{A5E97520-D563-4008-B2B3-C645B5B2BA90}" type="datetimeFigureOut">
               <a:rPr lang="en-US" smtClean="0"/>
-              <a:t>2/22/2025</a:t>
+              <a:t>4/4/2025</a:t>
             </a:fld>
             <a:endParaRPr lang="en-US"/>
           </a:p>
@@ -2623,7 +2623,7 @@
           <a:p>
             <a:fld id="{A5E97520-D563-4008-B2B3-C645B5B2BA90}" type="datetimeFigureOut">
               <a:rPr lang="en-US" smtClean="0"/>
-              <a:t>2/22/2025</a:t>
+              <a:t>4/4/2025</a:t>
             </a:fld>
             <a:endParaRPr lang="en-US"/>
           </a:p>
@@ -3005,7 +3005,7 @@
           <a:p>
             <a:fld id="{A5E97520-D563-4008-B2B3-C645B5B2BA90}" type="datetimeFigureOut">
               <a:rPr lang="en-US" smtClean="0"/>
-              <a:t>2/22/2025</a:t>
+              <a:t>4/4/2025</a:t>
             </a:fld>
             <a:endParaRPr lang="en-US"/>
           </a:p>
@@ -3292,7 +3292,7 @@
           <a:p>
             <a:fld id="{A5E97520-D563-4008-B2B3-C645B5B2BA90}" type="datetimeFigureOut">
               <a:rPr lang="en-US" smtClean="0"/>
-              <a:t>2/22/2025</a:t>
+              <a:t>4/4/2025</a:t>
             </a:fld>
             <a:endParaRPr lang="en-US"/>
           </a:p>
@@ -3868,7 +3868,11 @@
           <a:p>
             <a:r>
               <a:rPr lang="ru-RU" dirty="0"/>
-              <a:t>Веб-приложение для записи в автосервис</a:t>
+              <a:t>ЛР2: Разработка </a:t>
+            </a:r>
+            <a:r>
+              <a:rPr lang="en-US" dirty="0" err="1"/>
+              <a:t>api</a:t>
             </a:r>
             <a:br>
               <a:rPr lang="ru-RU" dirty="0"/>
@@ -3962,18 +3966,18 @@
                 <a:ea typeface="Times New Roman" panose="02020603050405020304" pitchFamily="18" charset="0"/>
                 <a:cs typeface="Times New Roman" panose="02020603050405020304" pitchFamily="18" charset="0"/>
               </a:rPr>
-              <a:t>1. </a:t>
-            </a:r>
-            <a:r>
-              <a:rPr lang="ru-RU" sz="2800" b="1" kern="0" dirty="0">
+              <a:t>1. Реализация </a:t>
+            </a:r>
+            <a:r>
+              <a:rPr lang="en-US" sz="2800" b="1" kern="0" dirty="0">
                 <a:solidFill>
-                  <a:srgbClr val="1F2328"/>
+                  <a:srgbClr val="000000"/>
                 </a:solidFill>
                 <a:effectLst/>
                 <a:ea typeface="Times New Roman" panose="02020603050405020304" pitchFamily="18" charset="0"/>
                 <a:cs typeface="Times New Roman" panose="02020603050405020304" pitchFamily="18" charset="0"/>
               </a:rPr>
-              <a:t>Схема взаимодействия компонентов.</a:t>
+              <a:t>API:</a:t>
             </a:r>
             <a:endParaRPr lang="en-US" sz="2800" dirty="0"/>
           </a:p>
@@ -4000,126 +4004,66 @@
           <a:bodyPr/>
           <a:lstStyle/>
           <a:p>
-            <a:pPr marL="342900" lvl="0" indent="-342900">
-              <a:lnSpc>
-                <a:spcPct val="107000"/>
-              </a:lnSpc>
-              <a:buFont typeface="Symbol" panose="05050102010706020507" pitchFamily="18" charset="2"/>
-              <a:buChar char=""/>
-            </a:pPr>
-            <a:r>
-              <a:rPr lang="ru-RU" sz="1800" b="1" kern="0" dirty="0">
-                <a:solidFill>
-                  <a:srgbClr val="000000"/>
-                </a:solidFill>
-                <a:effectLst/>
-                <a:latin typeface="Times New Roman" panose="02020603050405020304" pitchFamily="18" charset="0"/>
-                <a:ea typeface="Times New Roman" panose="02020603050405020304" pitchFamily="18" charset="0"/>
-                <a:cs typeface="Times New Roman" panose="02020603050405020304" pitchFamily="18" charset="0"/>
-              </a:rPr>
-              <a:t>Сервер</a:t>
-            </a:r>
-            <a:r>
-              <a:rPr lang="ru-RU" sz="1800" kern="0" dirty="0">
-                <a:solidFill>
-                  <a:srgbClr val="000000"/>
-                </a:solidFill>
-                <a:effectLst/>
-                <a:latin typeface="Times New Roman" panose="02020603050405020304" pitchFamily="18" charset="0"/>
-                <a:ea typeface="Times New Roman" panose="02020603050405020304" pitchFamily="18" charset="0"/>
-                <a:cs typeface="Times New Roman" panose="02020603050405020304" pitchFamily="18" charset="0"/>
-              </a:rPr>
-              <a:t> - обрабатывает запросы, отправленные клиентом, сохраняя/доставая в/из БД</a:t>
-            </a:r>
-            <a:endParaRPr lang="en-US" sz="1800" kern="100" dirty="0">
-              <a:effectLst/>
-              <a:latin typeface="Calibri" panose="020F0502020204030204" pitchFamily="34" charset="0"/>
-              <a:ea typeface="Calibri" panose="020F0502020204030204" pitchFamily="34" charset="0"/>
-              <a:cs typeface="Times New Roman" panose="02020603050405020304" pitchFamily="18" charset="0"/>
-            </a:endParaRPr>
-          </a:p>
-          <a:p>
-            <a:pPr marL="342900" lvl="0" indent="-342900">
-              <a:lnSpc>
-                <a:spcPct val="107000"/>
-              </a:lnSpc>
-              <a:buFont typeface="Symbol" panose="05050102010706020507" pitchFamily="18" charset="2"/>
-              <a:buChar char=""/>
-            </a:pPr>
-            <a:r>
-              <a:rPr lang="ru-RU" sz="1800" b="1" kern="0" dirty="0">
-                <a:solidFill>
-                  <a:srgbClr val="000000"/>
-                </a:solidFill>
-                <a:effectLst/>
-                <a:latin typeface="Times New Roman" panose="02020603050405020304" pitchFamily="18" charset="0"/>
-                <a:ea typeface="Times New Roman" panose="02020603050405020304" pitchFamily="18" charset="0"/>
-                <a:cs typeface="Times New Roman" panose="02020603050405020304" pitchFamily="18" charset="0"/>
-              </a:rPr>
-              <a:t>Клиент</a:t>
-            </a:r>
-            <a:r>
-              <a:rPr lang="ru-RU" sz="1800" kern="0" dirty="0">
-                <a:solidFill>
-                  <a:srgbClr val="000000"/>
-                </a:solidFill>
-                <a:effectLst/>
-                <a:latin typeface="Times New Roman" panose="02020603050405020304" pitchFamily="18" charset="0"/>
-                <a:ea typeface="Times New Roman" panose="02020603050405020304" pitchFamily="18" charset="0"/>
-                <a:cs typeface="Times New Roman" panose="02020603050405020304" pitchFamily="18" charset="0"/>
-              </a:rPr>
-              <a:t> - отправляет запрос на сервер (добавляет запись, удаляет, редактирует) и получает информацию из БД через сервер </a:t>
-            </a:r>
-            <a:endParaRPr lang="en-US" sz="1800" kern="100" dirty="0">
-              <a:effectLst/>
-              <a:latin typeface="Calibri" panose="020F0502020204030204" pitchFamily="34" charset="0"/>
-              <a:ea typeface="Calibri" panose="020F0502020204030204" pitchFamily="34" charset="0"/>
-              <a:cs typeface="Times New Roman" panose="02020603050405020304" pitchFamily="18" charset="0"/>
-            </a:endParaRPr>
-          </a:p>
-          <a:p>
-            <a:pPr marL="342900" lvl="0" indent="-342900">
-              <a:lnSpc>
-                <a:spcPct val="107000"/>
-              </a:lnSpc>
-              <a:spcAft>
-                <a:spcPts val="800"/>
-              </a:spcAft>
-              <a:buFont typeface="Symbol" panose="05050102010706020507" pitchFamily="18" charset="2"/>
-              <a:buChar char=""/>
-            </a:pPr>
-            <a:r>
-              <a:rPr lang="ru-RU" sz="1800" b="1" kern="0" dirty="0">
-                <a:solidFill>
-                  <a:srgbClr val="000000"/>
-                </a:solidFill>
-                <a:effectLst/>
-                <a:latin typeface="Times New Roman" panose="02020603050405020304" pitchFamily="18" charset="0"/>
-                <a:ea typeface="Times New Roman" panose="02020603050405020304" pitchFamily="18" charset="0"/>
-                <a:cs typeface="Times New Roman" panose="02020603050405020304" pitchFamily="18" charset="0"/>
-              </a:rPr>
-              <a:t>БД</a:t>
-            </a:r>
-            <a:r>
-              <a:rPr lang="ru-RU" sz="1800" kern="0" dirty="0">
-                <a:solidFill>
-                  <a:srgbClr val="000000"/>
-                </a:solidFill>
-                <a:effectLst/>
-                <a:latin typeface="Times New Roman" panose="02020603050405020304" pitchFamily="18" charset="0"/>
-                <a:ea typeface="Times New Roman" panose="02020603050405020304" pitchFamily="18" charset="0"/>
-                <a:cs typeface="Times New Roman" panose="02020603050405020304" pitchFamily="18" charset="0"/>
-              </a:rPr>
-              <a:t> - хранит, выдаёт информацию, необходимую клиенту </a:t>
-            </a:r>
-            <a:endParaRPr lang="en-US" sz="1800" kern="100" dirty="0">
-              <a:effectLst/>
-              <a:latin typeface="Calibri" panose="020F0502020204030204" pitchFamily="34" charset="0"/>
-              <a:ea typeface="Calibri" panose="020F0502020204030204" pitchFamily="34" charset="0"/>
-              <a:cs typeface="Times New Roman" panose="02020603050405020304" pitchFamily="18" charset="0"/>
-            </a:endParaRPr>
-          </a:p>
-          <a:p>
+            <a:r>
+              <a:rPr lang="en-US" dirty="0"/>
+              <a:t>class </a:t>
+            </a:r>
+            <a:r>
+              <a:rPr lang="en-US" dirty="0" err="1"/>
+              <a:t>ClientViewSet</a:t>
+            </a:r>
+            <a:r>
+              <a:rPr lang="en-US" dirty="0"/>
+              <a:t>(</a:t>
+            </a:r>
+            <a:r>
+              <a:rPr lang="en-US" dirty="0" err="1"/>
+              <a:t>viewsets.ModelViewSet</a:t>
+            </a:r>
+            <a:r>
+              <a:rPr lang="en-US" dirty="0"/>
+              <a:t>):</a:t>
+            </a:r>
+          </a:p>
+          <a:p>
+            <a:r>
+              <a:rPr lang="en-US" dirty="0"/>
+              <a:t>    </a:t>
+            </a:r>
+            <a:r>
+              <a:rPr lang="en-US" dirty="0" err="1"/>
+              <a:t>queryset</a:t>
+            </a:r>
+            <a:r>
+              <a:rPr lang="en-US" dirty="0"/>
+              <a:t> = </a:t>
+            </a:r>
+            <a:r>
+              <a:rPr lang="en-US" dirty="0" err="1"/>
+              <a:t>Client.objects.all</a:t>
+            </a:r>
+            <a:r>
+              <a:rPr lang="en-US" dirty="0"/>
+              <a:t>()</a:t>
+            </a:r>
+          </a:p>
+          <a:p>
+            <a:r>
+              <a:rPr lang="en-US" dirty="0"/>
+              <a:t>    </a:t>
+            </a:r>
+            <a:r>
+              <a:rPr lang="en-US" dirty="0" err="1"/>
+              <a:t>serializer_class</a:t>
+            </a:r>
+            <a:r>
+              <a:rPr lang="en-US" dirty="0"/>
+              <a:t> = </a:t>
+            </a:r>
+            <a:r>
+              <a:rPr lang="en-US" dirty="0" err="1"/>
+              <a:t>ClientSerializer</a:t>
+            </a:r>
             <a:endParaRPr lang="en-US" dirty="0"/>
           </a:p>
         </p:txBody>
@@ -4186,49 +4130,168 @@
                 <a:ea typeface="Times New Roman" panose="02020603050405020304" pitchFamily="18" charset="0"/>
                 <a:cs typeface="Times New Roman" panose="02020603050405020304" pitchFamily="18" charset="0"/>
               </a:rPr>
-              <a:t>2. Логическая схема базы данных.</a:t>
+              <a:t>2. Тестирование </a:t>
+            </a:r>
+            <a:r>
+              <a:rPr lang="en-US" sz="2800" b="1" kern="0" dirty="0">
+                <a:solidFill>
+                  <a:srgbClr val="1F2328"/>
+                </a:solidFill>
+                <a:effectLst/>
+                <a:ea typeface="Times New Roman" panose="02020603050405020304" pitchFamily="18" charset="0"/>
+                <a:cs typeface="Times New Roman" panose="02020603050405020304" pitchFamily="18" charset="0"/>
+              </a:rPr>
+              <a:t>API:</a:t>
             </a:r>
             <a:endParaRPr lang="en-US" sz="2800" dirty="0"/>
           </a:p>
         </p:txBody>
       </p:sp>
-      <p:pic>
-        <p:nvPicPr>
-          <p:cNvPr id="4" name="Объект 3">
+      <p:sp>
+        <p:nvSpPr>
+          <p:cNvPr id="5" name="Объект 4">
             <a:extLst>
               <a:ext uri="{FF2B5EF4-FFF2-40B4-BE49-F238E27FC236}">
-                <a16:creationId xmlns:a16="http://schemas.microsoft.com/office/drawing/2014/main" id="{4BE8B49B-C8DD-43DA-902D-DE927FE6B392}"/>
+                <a16:creationId xmlns:a16="http://schemas.microsoft.com/office/drawing/2014/main" id="{F81C9262-E86C-40EC-8A4D-6730637BC693}"/>
               </a:ext>
             </a:extLst>
           </p:cNvPr>
-          <p:cNvPicPr>
-            <a:picLocks noGrp="1"/>
-          </p:cNvPicPr>
+          <p:cNvSpPr>
+            <a:spLocks noGrp="1"/>
+          </p:cNvSpPr>
           <p:nvPr>
             <p:ph idx="1"/>
           </p:nvPr>
-        </p:nvPicPr>
-        <p:blipFill>
-          <a:blip r:embed="rId2"/>
-          <a:stretch>
-            <a:fillRect/>
-          </a:stretch>
-        </p:blipFill>
-        <p:spPr>
-          <a:xfrm>
-            <a:off x="2719453" y="1846263"/>
-            <a:ext cx="6813419" cy="4022725"/>
-          </a:xfrm>
-          <a:prstGeom prst="rect">
-            <a:avLst/>
-          </a:prstGeom>
-          <a:ln>
-            <a:solidFill>
-              <a:schemeClr val="tx1"/>
-            </a:solidFill>
-          </a:ln>
-        </p:spPr>
-      </p:pic>
+        </p:nvSpPr>
+        <p:spPr/>
+        <p:txBody>
+          <a:bodyPr/>
+          <a:lstStyle/>
+          <a:p>
+            <a:r>
+              <a:rPr lang="ru-RU" dirty="0"/>
+              <a:t>Для использования </a:t>
+            </a:r>
+            <a:r>
+              <a:rPr lang="en-US" dirty="0"/>
+              <a:t>CURL</a:t>
+            </a:r>
+            <a:r>
+              <a:rPr lang="ru-RU" dirty="0"/>
+              <a:t> </a:t>
+            </a:r>
+            <a:r>
+              <a:rPr lang="en-US" dirty="0"/>
+              <a:t>Remove-Item </a:t>
+            </a:r>
+            <a:r>
+              <a:rPr lang="en-US" dirty="0" err="1"/>
+              <a:t>Alias:curl</a:t>
+            </a:r>
+            <a:endParaRPr lang="ru-RU" dirty="0"/>
+          </a:p>
+          <a:p>
+            <a:r>
+              <a:rPr lang="ru-RU" dirty="0"/>
+              <a:t>После удаления </a:t>
+            </a:r>
+            <a:r>
+              <a:rPr lang="ru-RU" dirty="0" err="1"/>
+              <a:t>алиаса</a:t>
+            </a:r>
+            <a:r>
+              <a:rPr lang="ru-RU" dirty="0"/>
+              <a:t> команда </a:t>
+            </a:r>
+            <a:r>
+              <a:rPr lang="en-US" dirty="0"/>
+              <a:t>curl</a:t>
+            </a:r>
+            <a:r>
+              <a:rPr lang="ru-RU" dirty="0"/>
+              <a:t> будет вызывать оригинальную утилиту, а не </a:t>
+            </a:r>
+            <a:r>
+              <a:rPr lang="ru-RU" dirty="0" err="1"/>
+              <a:t>PowerShell</a:t>
+            </a:r>
+            <a:r>
+              <a:rPr lang="ru-RU" dirty="0"/>
+              <a:t>-аналог.</a:t>
+            </a:r>
+            <a:endParaRPr lang="en-US" dirty="0"/>
+          </a:p>
+          <a:p>
+            <a:r>
+              <a:rPr lang="en-US" dirty="0" err="1"/>
+              <a:t>url</a:t>
+            </a:r>
+            <a:r>
+              <a:rPr lang="en-US" dirty="0"/>
+              <a:t> </a:t>
+            </a:r>
+            <a:r>
+              <a:rPr lang="ru-RU" dirty="0"/>
+              <a:t>в </a:t>
+            </a:r>
+            <a:r>
+              <a:rPr lang="en-US" dirty="0"/>
+              <a:t>PowerShell — </a:t>
+            </a:r>
+            <a:r>
+              <a:rPr lang="ru-RU" dirty="0"/>
+              <a:t>это не оригинальный </a:t>
+            </a:r>
+            <a:r>
+              <a:rPr lang="en-US" dirty="0"/>
+              <a:t>curl (</a:t>
+            </a:r>
+            <a:r>
+              <a:rPr lang="ru-RU" dirty="0"/>
+              <a:t>из </a:t>
+            </a:r>
+            <a:r>
+              <a:rPr lang="en-US" dirty="0"/>
+              <a:t>Linux/macOS </a:t>
+            </a:r>
+            <a:r>
+              <a:rPr lang="ru-RU" dirty="0"/>
+              <a:t>или </a:t>
+            </a:r>
+            <a:r>
+              <a:rPr lang="en-US" dirty="0"/>
+              <a:t>Windows), </a:t>
+            </a:r>
+            <a:r>
+              <a:rPr lang="ru-RU" dirty="0"/>
+              <a:t>а встроенный псевдоним для </a:t>
+            </a:r>
+            <a:r>
+              <a:rPr lang="ru-RU" dirty="0" err="1"/>
+              <a:t>командлета</a:t>
+            </a:r>
+            <a:r>
+              <a:rPr lang="ru-RU" dirty="0"/>
+              <a:t> </a:t>
+            </a:r>
+            <a:r>
+              <a:rPr lang="en-US" dirty="0"/>
+              <a:t>Invoke-</a:t>
+            </a:r>
+            <a:r>
+              <a:rPr lang="en-US" dirty="0" err="1"/>
+              <a:t>WebRequest</a:t>
+            </a:r>
+            <a:r>
+              <a:rPr lang="en-US" dirty="0"/>
+              <a:t>. </a:t>
+            </a:r>
+          </a:p>
+          <a:p>
+            <a:endParaRPr lang="ru-RU" dirty="0"/>
+          </a:p>
+        </p:txBody>
+      </p:sp>
     </p:spTree>
     <p:extLst>
       <p:ext uri="{BB962C8B-B14F-4D97-AF65-F5344CB8AC3E}">
